--- a/Documents/المخططات/مخططات بور بونت تجريبي/مخطط ERD.pptx
+++ b/Documents/المخططات/مخططات بور بونت تجريبي/مخطط ERD.pptx
@@ -254,7 +254,7 @@
           <a:p>
             <a:fld id="{D3B573F3-C353-4DE9-8F3B-296C28169EA7}" type="datetimeFigureOut">
               <a:rPr lang="ar-YE" smtClean="0"/>
-              <a:t>22/06/1446</a:t>
+              <a:t>17/08/1446</a:t>
             </a:fld>
             <a:endParaRPr lang="ar-YE"/>
           </a:p>
@@ -424,7 +424,7 @@
           <a:p>
             <a:fld id="{D3B573F3-C353-4DE9-8F3B-296C28169EA7}" type="datetimeFigureOut">
               <a:rPr lang="ar-YE" smtClean="0"/>
-              <a:t>22/06/1446</a:t>
+              <a:t>17/08/1446</a:t>
             </a:fld>
             <a:endParaRPr lang="ar-YE"/>
           </a:p>
@@ -604,7 +604,7 @@
           <a:p>
             <a:fld id="{D3B573F3-C353-4DE9-8F3B-296C28169EA7}" type="datetimeFigureOut">
               <a:rPr lang="ar-YE" smtClean="0"/>
-              <a:t>22/06/1446</a:t>
+              <a:t>17/08/1446</a:t>
             </a:fld>
             <a:endParaRPr lang="ar-YE"/>
           </a:p>
@@ -774,7 +774,7 @@
           <a:p>
             <a:fld id="{D3B573F3-C353-4DE9-8F3B-296C28169EA7}" type="datetimeFigureOut">
               <a:rPr lang="ar-YE" smtClean="0"/>
-              <a:t>22/06/1446</a:t>
+              <a:t>17/08/1446</a:t>
             </a:fld>
             <a:endParaRPr lang="ar-YE"/>
           </a:p>
@@ -1018,7 +1018,7 @@
           <a:p>
             <a:fld id="{D3B573F3-C353-4DE9-8F3B-296C28169EA7}" type="datetimeFigureOut">
               <a:rPr lang="ar-YE" smtClean="0"/>
-              <a:t>22/06/1446</a:t>
+              <a:t>17/08/1446</a:t>
             </a:fld>
             <a:endParaRPr lang="ar-YE"/>
           </a:p>
@@ -1250,7 +1250,7 @@
           <a:p>
             <a:fld id="{D3B573F3-C353-4DE9-8F3B-296C28169EA7}" type="datetimeFigureOut">
               <a:rPr lang="ar-YE" smtClean="0"/>
-              <a:t>22/06/1446</a:t>
+              <a:t>17/08/1446</a:t>
             </a:fld>
             <a:endParaRPr lang="ar-YE"/>
           </a:p>
@@ -1617,7 +1617,7 @@
           <a:p>
             <a:fld id="{D3B573F3-C353-4DE9-8F3B-296C28169EA7}" type="datetimeFigureOut">
               <a:rPr lang="ar-YE" smtClean="0"/>
-              <a:t>22/06/1446</a:t>
+              <a:t>17/08/1446</a:t>
             </a:fld>
             <a:endParaRPr lang="ar-YE"/>
           </a:p>
@@ -1735,7 +1735,7 @@
           <a:p>
             <a:fld id="{D3B573F3-C353-4DE9-8F3B-296C28169EA7}" type="datetimeFigureOut">
               <a:rPr lang="ar-YE" smtClean="0"/>
-              <a:t>22/06/1446</a:t>
+              <a:t>17/08/1446</a:t>
             </a:fld>
             <a:endParaRPr lang="ar-YE"/>
           </a:p>
@@ -1830,7 +1830,7 @@
           <a:p>
             <a:fld id="{D3B573F3-C353-4DE9-8F3B-296C28169EA7}" type="datetimeFigureOut">
               <a:rPr lang="ar-YE" smtClean="0"/>
-              <a:t>22/06/1446</a:t>
+              <a:t>17/08/1446</a:t>
             </a:fld>
             <a:endParaRPr lang="ar-YE"/>
           </a:p>
@@ -2107,7 +2107,7 @@
           <a:p>
             <a:fld id="{D3B573F3-C353-4DE9-8F3B-296C28169EA7}" type="datetimeFigureOut">
               <a:rPr lang="ar-YE" smtClean="0"/>
-              <a:t>22/06/1446</a:t>
+              <a:t>17/08/1446</a:t>
             </a:fld>
             <a:endParaRPr lang="ar-YE"/>
           </a:p>
@@ -2364,7 +2364,7 @@
           <a:p>
             <a:fld id="{D3B573F3-C353-4DE9-8F3B-296C28169EA7}" type="datetimeFigureOut">
               <a:rPr lang="ar-YE" smtClean="0"/>
-              <a:t>22/06/1446</a:t>
+              <a:t>17/08/1446</a:t>
             </a:fld>
             <a:endParaRPr lang="ar-YE"/>
           </a:p>
@@ -2577,7 +2577,7 @@
           <a:p>
             <a:fld id="{D3B573F3-C353-4DE9-8F3B-296C28169EA7}" type="datetimeFigureOut">
               <a:rPr lang="ar-YE" smtClean="0"/>
-              <a:t>22/06/1446</a:t>
+              <a:t>17/08/1446</a:t>
             </a:fld>
             <a:endParaRPr lang="ar-YE"/>
           </a:p>
@@ -4252,66 +4252,6 @@
       </p:sp>
       <p:sp>
         <p:nvSpPr>
-          <p:cNvPr id="32" name="Rectangle: Rounded Corners 31">
-            <a:extLst>
-              <a:ext uri="{FF2B5EF4-FFF2-40B4-BE49-F238E27FC236}">
-                <a16:creationId xmlns:a16="http://schemas.microsoft.com/office/drawing/2014/main" id="{9A10A6E0-F3DE-4BB8-8C09-BBE6218EAD8A}"/>
-              </a:ext>
-            </a:extLst>
-          </p:cNvPr>
-          <p:cNvSpPr/>
-          <p:nvPr/>
-        </p:nvSpPr>
-        <p:spPr>
-          <a:xfrm>
-            <a:off x="5138102" y="1015525"/>
-            <a:ext cx="1273526" cy="458911"/>
-          </a:xfrm>
-          <a:prstGeom prst="roundRect">
-            <a:avLst>
-              <a:gd name="adj" fmla="val 0"/>
-            </a:avLst>
-          </a:prstGeom>
-          <a:solidFill>
-            <a:schemeClr val="accent1">
-              <a:lumMod val="50000"/>
-            </a:schemeClr>
-          </a:solidFill>
-        </p:spPr>
-        <p:style>
-          <a:lnRef idx="2">
-            <a:schemeClr val="accent1">
-              <a:shade val="50000"/>
-            </a:schemeClr>
-          </a:lnRef>
-          <a:fillRef idx="1">
-            <a:schemeClr val="accent1"/>
-          </a:fillRef>
-          <a:effectRef idx="0">
-            <a:schemeClr val="accent1"/>
-          </a:effectRef>
-          <a:fontRef idx="minor">
-            <a:schemeClr val="lt1"/>
-          </a:fontRef>
-        </p:style>
-        <p:txBody>
-          <a:bodyPr rtlCol="1" anchor="ctr"/>
-          <a:lstStyle/>
-          <a:p>
-            <a:pPr algn="ctr"/>
-            <a:r>
-              <a:rPr lang="ar-YE" sz="2400" dirty="0">
-                <a:latin typeface="Microsoft Sans Serif" panose="020B0604020202020204" pitchFamily="34" charset="0"/>
-                <a:ea typeface="Microsoft Sans Serif" panose="020B0604020202020204" pitchFamily="34" charset="0"/>
-                <a:cs typeface="Microsoft Sans Serif" panose="020B0604020202020204" pitchFamily="34" charset="0"/>
-              </a:rPr>
-              <a:t>الشعبة</a:t>
-            </a:r>
-          </a:p>
-        </p:txBody>
-      </p:sp>
-      <p:sp>
-        <p:nvSpPr>
           <p:cNvPr id="33" name="Rectangle: Rounded Corners 32">
             <a:extLst>
               <a:ext uri="{FF2B5EF4-FFF2-40B4-BE49-F238E27FC236}">
@@ -7195,7 +7135,7 @@
         </p:nvSpPr>
         <p:spPr>
           <a:xfrm>
-            <a:off x="8764176" y="2659478"/>
+            <a:off x="9655825" y="2436901"/>
             <a:ext cx="384186" cy="230832"/>
           </a:xfrm>
           <a:prstGeom prst="rect">
@@ -7217,363 +7157,6 @@
           </a:p>
         </p:txBody>
       </p:sp>
-      <p:grpSp>
-        <p:nvGrpSpPr>
-          <p:cNvPr id="188" name="Group 187">
-            <a:extLst>
-              <a:ext uri="{FF2B5EF4-FFF2-40B4-BE49-F238E27FC236}">
-                <a16:creationId xmlns:a16="http://schemas.microsoft.com/office/drawing/2014/main" id="{5BA247C5-B563-4C03-88F8-9BDDC8DA2DDD}"/>
-              </a:ext>
-            </a:extLst>
-          </p:cNvPr>
-          <p:cNvGrpSpPr/>
-          <p:nvPr/>
-        </p:nvGrpSpPr>
-        <p:grpSpPr>
-          <a:xfrm>
-            <a:off x="5582771" y="1436447"/>
-            <a:ext cx="1552865" cy="2819192"/>
-            <a:chOff x="5582771" y="1436447"/>
-            <a:chExt cx="1552865" cy="2819192"/>
-          </a:xfrm>
-        </p:grpSpPr>
-        <p:grpSp>
-          <p:nvGrpSpPr>
-            <p:cNvPr id="75" name="Group 74">
-              <a:extLst>
-                <a:ext uri="{FF2B5EF4-FFF2-40B4-BE49-F238E27FC236}">
-                  <a16:creationId xmlns:a16="http://schemas.microsoft.com/office/drawing/2014/main" id="{0D59841F-DC2D-4A78-9B99-F1202092CD00}"/>
-                </a:ext>
-              </a:extLst>
-            </p:cNvPr>
-            <p:cNvGrpSpPr/>
-            <p:nvPr/>
-          </p:nvGrpSpPr>
-          <p:grpSpPr>
-            <a:xfrm>
-              <a:off x="5586270" y="1436447"/>
-              <a:ext cx="1549366" cy="2819192"/>
-              <a:chOff x="5586270" y="1436447"/>
-              <a:chExt cx="1549366" cy="2819192"/>
-            </a:xfrm>
-          </p:grpSpPr>
-          <p:cxnSp>
-            <p:nvCxnSpPr>
-              <p:cNvPr id="54" name="Straight Connector 53">
-                <a:extLst>
-                  <a:ext uri="{FF2B5EF4-FFF2-40B4-BE49-F238E27FC236}">
-                    <a16:creationId xmlns:a16="http://schemas.microsoft.com/office/drawing/2014/main" id="{062CAB51-AA19-4905-B6E3-268FD8371077}"/>
-                  </a:ext>
-                </a:extLst>
-              </p:cNvPr>
-              <p:cNvCxnSpPr>
-                <a:cxnSpLocks/>
-              </p:cNvCxnSpPr>
-              <p:nvPr/>
-            </p:nvCxnSpPr>
-            <p:spPr>
-              <a:xfrm>
-                <a:off x="5774865" y="1436447"/>
-                <a:ext cx="0" cy="2474537"/>
-              </a:xfrm>
-              <a:prstGeom prst="line">
-                <a:avLst/>
-              </a:prstGeom>
-              <a:ln w="50800">
-                <a:solidFill>
-                  <a:schemeClr val="tx1"/>
-                </a:solidFill>
-              </a:ln>
-            </p:spPr>
-            <p:style>
-              <a:lnRef idx="1">
-                <a:schemeClr val="accent1"/>
-              </a:lnRef>
-              <a:fillRef idx="0">
-                <a:schemeClr val="accent1"/>
-              </a:fillRef>
-              <a:effectRef idx="0">
-                <a:schemeClr val="accent1"/>
-              </a:effectRef>
-              <a:fontRef idx="minor">
-                <a:schemeClr val="tx1"/>
-              </a:fontRef>
-            </p:style>
-          </p:cxnSp>
-          <p:cxnSp>
-            <p:nvCxnSpPr>
-              <p:cNvPr id="57" name="Straight Connector 56">
-                <a:extLst>
-                  <a:ext uri="{FF2B5EF4-FFF2-40B4-BE49-F238E27FC236}">
-                    <a16:creationId xmlns:a16="http://schemas.microsoft.com/office/drawing/2014/main" id="{C079B2AB-452C-45DD-B87B-18A20664BCA5}"/>
-                  </a:ext>
-                </a:extLst>
-              </p:cNvPr>
-              <p:cNvCxnSpPr>
-                <a:cxnSpLocks/>
-                <a:stCxn id="60" idx="3"/>
-                <a:endCxn id="30" idx="1"/>
-              </p:cNvCxnSpPr>
-              <p:nvPr/>
-            </p:nvCxnSpPr>
-            <p:spPr>
-              <a:xfrm flipV="1">
-                <a:off x="5963457" y="3984230"/>
-                <a:ext cx="1172179" cy="5132"/>
-              </a:xfrm>
-              <a:prstGeom prst="line">
-                <a:avLst/>
-              </a:prstGeom>
-              <a:ln w="50800">
-                <a:solidFill>
-                  <a:schemeClr val="tx1"/>
-                </a:solidFill>
-              </a:ln>
-            </p:spPr>
-            <p:style>
-              <a:lnRef idx="1">
-                <a:schemeClr val="accent1"/>
-              </a:lnRef>
-              <a:fillRef idx="0">
-                <a:schemeClr val="accent1"/>
-              </a:fillRef>
-              <a:effectRef idx="0">
-                <a:schemeClr val="accent1"/>
-              </a:effectRef>
-              <a:fontRef idx="minor">
-                <a:schemeClr val="tx1"/>
-              </a:fontRef>
-            </p:style>
-          </p:cxnSp>
-          <p:sp>
-            <p:nvSpPr>
-              <p:cNvPr id="60" name="Diamond 59">
-                <a:extLst>
-                  <a:ext uri="{FF2B5EF4-FFF2-40B4-BE49-F238E27FC236}">
-                    <a16:creationId xmlns:a16="http://schemas.microsoft.com/office/drawing/2014/main" id="{49154DB7-5E1D-4CB5-A33A-63099426D689}"/>
-                  </a:ext>
-                </a:extLst>
-              </p:cNvPr>
-              <p:cNvSpPr/>
-              <p:nvPr/>
-            </p:nvSpPr>
-            <p:spPr>
-              <a:xfrm>
-                <a:off x="5586270" y="3723084"/>
-                <a:ext cx="377187" cy="532555"/>
-              </a:xfrm>
-              <a:prstGeom prst="diamond">
-                <a:avLst/>
-              </a:prstGeom>
-              <a:solidFill>
-                <a:schemeClr val="accent6">
-                  <a:lumMod val="60000"/>
-                  <a:lumOff val="40000"/>
-                </a:schemeClr>
-              </a:solidFill>
-              <a:ln>
-                <a:noFill/>
-              </a:ln>
-            </p:spPr>
-            <p:style>
-              <a:lnRef idx="2">
-                <a:schemeClr val="accent1">
-                  <a:shade val="50000"/>
-                </a:schemeClr>
-              </a:lnRef>
-              <a:fillRef idx="1">
-                <a:schemeClr val="accent1"/>
-              </a:fillRef>
-              <a:effectRef idx="0">
-                <a:schemeClr val="accent1"/>
-              </a:effectRef>
-              <a:fontRef idx="minor">
-                <a:schemeClr val="lt1"/>
-              </a:fontRef>
-            </p:style>
-            <p:txBody>
-              <a:bodyPr rtlCol="1" anchor="ctr"/>
-              <a:lstStyle/>
-              <a:p>
-                <a:pPr algn="ctr"/>
-                <a:endParaRPr lang="ar-YE" sz="2400"/>
-              </a:p>
-            </p:txBody>
-          </p:sp>
-          <p:sp>
-            <p:nvSpPr>
-              <p:cNvPr id="61" name="Rectangle: Rounded Corners 60">
-                <a:extLst>
-                  <a:ext uri="{FF2B5EF4-FFF2-40B4-BE49-F238E27FC236}">
-                    <a16:creationId xmlns:a16="http://schemas.microsoft.com/office/drawing/2014/main" id="{047A713B-F962-45C8-8AE9-4F6A1DE5A7C5}"/>
-                  </a:ext>
-                </a:extLst>
-              </p:cNvPr>
-              <p:cNvSpPr/>
-              <p:nvPr/>
-            </p:nvSpPr>
-            <p:spPr>
-              <a:xfrm>
-                <a:off x="6905915" y="3717976"/>
-                <a:ext cx="187724" cy="215284"/>
-              </a:xfrm>
-              <a:prstGeom prst="roundRect">
-                <a:avLst>
-                  <a:gd name="adj" fmla="val 32123"/>
-                </a:avLst>
-              </a:prstGeom>
-              <a:solidFill>
-                <a:srgbClr val="FFC000"/>
-              </a:solidFill>
-              <a:ln>
-                <a:noFill/>
-              </a:ln>
-            </p:spPr>
-            <p:style>
-              <a:lnRef idx="2">
-                <a:schemeClr val="accent1">
-                  <a:shade val="50000"/>
-                </a:schemeClr>
-              </a:lnRef>
-              <a:fillRef idx="1">
-                <a:schemeClr val="accent1"/>
-              </a:fillRef>
-              <a:effectRef idx="0">
-                <a:schemeClr val="accent1"/>
-              </a:effectRef>
-              <a:fontRef idx="minor">
-                <a:schemeClr val="lt1"/>
-              </a:fontRef>
-            </p:style>
-            <p:txBody>
-              <a:bodyPr rtlCol="1" anchor="ctr"/>
-              <a:lstStyle/>
-              <a:p>
-                <a:pPr algn="ctr"/>
-                <a:r>
-                  <a:rPr lang="ar-YE" sz="1600" dirty="0">
-                    <a:solidFill>
-                      <a:schemeClr val="tx1"/>
-                    </a:solidFill>
-                    <a:latin typeface="Microsoft Sans Serif" panose="020B0604020202020204" pitchFamily="34" charset="0"/>
-                    <a:ea typeface="Microsoft Sans Serif" panose="020B0604020202020204" pitchFamily="34" charset="0"/>
-                    <a:cs typeface="Microsoft Sans Serif" panose="020B0604020202020204" pitchFamily="34" charset="0"/>
-                  </a:rPr>
-                  <a:t>1</a:t>
-                </a:r>
-              </a:p>
-            </p:txBody>
-          </p:sp>
-          <p:sp>
-            <p:nvSpPr>
-              <p:cNvPr id="62" name="Rectangle: Rounded Corners 61">
-                <a:extLst>
-                  <a:ext uri="{FF2B5EF4-FFF2-40B4-BE49-F238E27FC236}">
-                    <a16:creationId xmlns:a16="http://schemas.microsoft.com/office/drawing/2014/main" id="{C02065D0-04EA-448B-8C18-EA23F0D616AA}"/>
-                  </a:ext>
-                </a:extLst>
-              </p:cNvPr>
-              <p:cNvSpPr/>
-              <p:nvPr/>
-            </p:nvSpPr>
-            <p:spPr>
-              <a:xfrm>
-                <a:off x="5915975" y="1573965"/>
-                <a:ext cx="187724" cy="215284"/>
-              </a:xfrm>
-              <a:prstGeom prst="roundRect">
-                <a:avLst>
-                  <a:gd name="adj" fmla="val 32123"/>
-                </a:avLst>
-              </a:prstGeom>
-              <a:solidFill>
-                <a:srgbClr val="FFC000"/>
-              </a:solidFill>
-              <a:ln>
-                <a:noFill/>
-              </a:ln>
-            </p:spPr>
-            <p:style>
-              <a:lnRef idx="2">
-                <a:schemeClr val="accent1">
-                  <a:shade val="50000"/>
-                </a:schemeClr>
-              </a:lnRef>
-              <a:fillRef idx="1">
-                <a:schemeClr val="accent1"/>
-              </a:fillRef>
-              <a:effectRef idx="0">
-                <a:schemeClr val="accent1"/>
-              </a:effectRef>
-              <a:fontRef idx="minor">
-                <a:schemeClr val="lt1"/>
-              </a:fontRef>
-            </p:style>
-            <p:txBody>
-              <a:bodyPr rtlCol="1" anchor="ctr"/>
-              <a:lstStyle/>
-              <a:p>
-                <a:pPr algn="ctr"/>
-                <a:r>
-                  <a:rPr lang="en-US" sz="1600" dirty="0">
-                    <a:solidFill>
-                      <a:schemeClr val="tx1"/>
-                    </a:solidFill>
-                    <a:latin typeface="Microsoft Sans Serif" panose="020B0604020202020204" pitchFamily="34" charset="0"/>
-                    <a:ea typeface="Microsoft Sans Serif" panose="020B0604020202020204" pitchFamily="34" charset="0"/>
-                    <a:cs typeface="Microsoft Sans Serif" panose="020B0604020202020204" pitchFamily="34" charset="0"/>
-                  </a:rPr>
-                  <a:t>m</a:t>
-                </a:r>
-                <a:endParaRPr lang="ar-YE" sz="1600" dirty="0">
-                  <a:solidFill>
-                    <a:schemeClr val="tx1"/>
-                  </a:solidFill>
-                  <a:latin typeface="Microsoft Sans Serif" panose="020B0604020202020204" pitchFamily="34" charset="0"/>
-                  <a:ea typeface="Microsoft Sans Serif" panose="020B0604020202020204" pitchFamily="34" charset="0"/>
-                  <a:cs typeface="Microsoft Sans Serif" panose="020B0604020202020204" pitchFamily="34" charset="0"/>
-                </a:endParaRPr>
-              </a:p>
-            </p:txBody>
-          </p:sp>
-        </p:grpSp>
-        <p:sp>
-          <p:nvSpPr>
-            <p:cNvPr id="187" name="TextBox 186">
-              <a:extLst>
-                <a:ext uri="{FF2B5EF4-FFF2-40B4-BE49-F238E27FC236}">
-                  <a16:creationId xmlns:a16="http://schemas.microsoft.com/office/drawing/2014/main" id="{A3265ED3-2EEA-4569-B103-6DE1EF4B40A6}"/>
-                </a:ext>
-              </a:extLst>
-            </p:cNvPr>
-            <p:cNvSpPr txBox="1"/>
-            <p:nvPr/>
-          </p:nvSpPr>
-          <p:spPr>
-            <a:xfrm>
-              <a:off x="5582771" y="3878679"/>
-              <a:ext cx="384186" cy="230832"/>
-            </a:xfrm>
-            <a:prstGeom prst="rect">
-              <a:avLst/>
-            </a:prstGeom>
-            <a:noFill/>
-          </p:spPr>
-          <p:txBody>
-            <a:bodyPr wrap="square" rtlCol="1">
-              <a:spAutoFit/>
-            </a:bodyPr>
-            <a:lstStyle/>
-            <a:p>
-              <a:r>
-                <a:rPr lang="en-US" sz="900" dirty="0"/>
-                <a:t>has</a:t>
-              </a:r>
-              <a:endParaRPr lang="ar-YE" sz="900" dirty="0"/>
-            </a:p>
-          </p:txBody>
-        </p:sp>
-      </p:grpSp>
       <p:grpSp>
         <p:nvGrpSpPr>
           <p:cNvPr id="190" name="Group 189">
